--- a/Programmastructuur.pptx
+++ b/Programmastructuur.pptx
@@ -104,6 +104,11 @@
       </a:defRPr>
     </a:lvl9pPr>
   </p:defaultTextStyle>
+  <p:extLst>
+    <p:ext uri="{EFAFB233-063F-42B5-8137-9DF3F51BA10A}">
+      <p15:sldGuideLst xmlns:p15="http://schemas.microsoft.com/office/powerpoint/2012/main"/>
+    </p:ext>
+  </p:extLst>
 </p:presentation>
 </file>
 
@@ -238,7 +243,7 @@
           <a:p>
             <a:fld id="{CFABF299-7EF0-42E8-B705-DF93929FB7B0}" type="datetimeFigureOut">
               <a:rPr lang="nl-BE" smtClean="0"/>
-              <a:t>5/12/2019</a:t>
+              <a:t>8/12/2019</a:t>
             </a:fld>
             <a:endParaRPr lang="nl-BE"/>
           </a:p>
@@ -408,7 +413,7 @@
           <a:p>
             <a:fld id="{CFABF299-7EF0-42E8-B705-DF93929FB7B0}" type="datetimeFigureOut">
               <a:rPr lang="nl-BE" smtClean="0"/>
-              <a:t>5/12/2019</a:t>
+              <a:t>8/12/2019</a:t>
             </a:fld>
             <a:endParaRPr lang="nl-BE"/>
           </a:p>
@@ -588,7 +593,7 @@
           <a:p>
             <a:fld id="{CFABF299-7EF0-42E8-B705-DF93929FB7B0}" type="datetimeFigureOut">
               <a:rPr lang="nl-BE" smtClean="0"/>
-              <a:t>5/12/2019</a:t>
+              <a:t>8/12/2019</a:t>
             </a:fld>
             <a:endParaRPr lang="nl-BE"/>
           </a:p>
@@ -758,7 +763,7 @@
           <a:p>
             <a:fld id="{CFABF299-7EF0-42E8-B705-DF93929FB7B0}" type="datetimeFigureOut">
               <a:rPr lang="nl-BE" smtClean="0"/>
-              <a:t>5/12/2019</a:t>
+              <a:t>8/12/2019</a:t>
             </a:fld>
             <a:endParaRPr lang="nl-BE"/>
           </a:p>
@@ -1002,7 +1007,7 @@
           <a:p>
             <a:fld id="{CFABF299-7EF0-42E8-B705-DF93929FB7B0}" type="datetimeFigureOut">
               <a:rPr lang="nl-BE" smtClean="0"/>
-              <a:t>5/12/2019</a:t>
+              <a:t>8/12/2019</a:t>
             </a:fld>
             <a:endParaRPr lang="nl-BE"/>
           </a:p>
@@ -1234,7 +1239,7 @@
           <a:p>
             <a:fld id="{CFABF299-7EF0-42E8-B705-DF93929FB7B0}" type="datetimeFigureOut">
               <a:rPr lang="nl-BE" smtClean="0"/>
-              <a:t>5/12/2019</a:t>
+              <a:t>8/12/2019</a:t>
             </a:fld>
             <a:endParaRPr lang="nl-BE"/>
           </a:p>
@@ -1601,7 +1606,7 @@
           <a:p>
             <a:fld id="{CFABF299-7EF0-42E8-B705-DF93929FB7B0}" type="datetimeFigureOut">
               <a:rPr lang="nl-BE" smtClean="0"/>
-              <a:t>5/12/2019</a:t>
+              <a:t>8/12/2019</a:t>
             </a:fld>
             <a:endParaRPr lang="nl-BE"/>
           </a:p>
@@ -1719,7 +1724,7 @@
           <a:p>
             <a:fld id="{CFABF299-7EF0-42E8-B705-DF93929FB7B0}" type="datetimeFigureOut">
               <a:rPr lang="nl-BE" smtClean="0"/>
-              <a:t>5/12/2019</a:t>
+              <a:t>8/12/2019</a:t>
             </a:fld>
             <a:endParaRPr lang="nl-BE"/>
           </a:p>
@@ -1814,7 +1819,7 @@
           <a:p>
             <a:fld id="{CFABF299-7EF0-42E8-B705-DF93929FB7B0}" type="datetimeFigureOut">
               <a:rPr lang="nl-BE" smtClean="0"/>
-              <a:t>5/12/2019</a:t>
+              <a:t>8/12/2019</a:t>
             </a:fld>
             <a:endParaRPr lang="nl-BE"/>
           </a:p>
@@ -2091,7 +2096,7 @@
           <a:p>
             <a:fld id="{CFABF299-7EF0-42E8-B705-DF93929FB7B0}" type="datetimeFigureOut">
               <a:rPr lang="nl-BE" smtClean="0"/>
-              <a:t>5/12/2019</a:t>
+              <a:t>8/12/2019</a:t>
             </a:fld>
             <a:endParaRPr lang="nl-BE"/>
           </a:p>
@@ -2348,7 +2353,7 @@
           <a:p>
             <a:fld id="{CFABF299-7EF0-42E8-B705-DF93929FB7B0}" type="datetimeFigureOut">
               <a:rPr lang="nl-BE" smtClean="0"/>
-              <a:t>5/12/2019</a:t>
+              <a:t>8/12/2019</a:t>
             </a:fld>
             <a:endParaRPr lang="nl-BE"/>
           </a:p>
@@ -2561,7 +2566,7 @@
           <a:p>
             <a:fld id="{CFABF299-7EF0-42E8-B705-DF93929FB7B0}" type="datetimeFigureOut">
               <a:rPr lang="nl-BE" smtClean="0"/>
-              <a:t>5/12/2019</a:t>
+              <a:t>8/12/2019</a:t>
             </a:fld>
             <a:endParaRPr lang="nl-BE"/>
           </a:p>
@@ -2980,7 +2985,7 @@
         </p:nvSpPr>
         <p:spPr>
           <a:xfrm>
-            <a:off x="2359606" y="321476"/>
+            <a:off x="2599453" y="461058"/>
             <a:ext cx="2138787" cy="908236"/>
           </a:xfrm>
           <a:prstGeom prst="roundRect">
@@ -3035,8 +3040,8 @@
         </p:nvSpPr>
         <p:spPr>
           <a:xfrm>
-            <a:off x="2359605" y="1714540"/>
-            <a:ext cx="2138787" cy="908236"/>
+            <a:off x="2599453" y="1777250"/>
+            <a:ext cx="2138786" cy="1393064"/>
           </a:xfrm>
           <a:prstGeom prst="roundRect">
             <a:avLst/>
@@ -3070,7 +3075,7 @@
             <a:pPr algn="ctr"/>
             <a:r>
               <a:rPr lang="nl-BE" sz="2000" dirty="0"/>
-              <a:t>HOEVEELHEID INGEVEN</a:t>
+              <a:t>HOEVEELHEID INGEVEN + MICROPLATES SELECTEREN</a:t>
             </a:r>
           </a:p>
         </p:txBody>
@@ -3089,7 +3094,7 @@
         </p:nvSpPr>
         <p:spPr>
           <a:xfrm>
-            <a:off x="2359605" y="3107604"/>
+            <a:off x="2599452" y="3956664"/>
             <a:ext cx="2138787" cy="908236"/>
           </a:xfrm>
           <a:prstGeom prst="roundRect">
@@ -3143,7 +3148,7 @@
         </p:nvSpPr>
         <p:spPr>
           <a:xfrm>
-            <a:off x="2359604" y="4500668"/>
+            <a:off x="4170856" y="5575139"/>
             <a:ext cx="2138787" cy="908236"/>
           </a:xfrm>
           <a:prstGeom prst="roundRect">
@@ -3197,7 +3202,7 @@
         </p:nvSpPr>
         <p:spPr>
           <a:xfrm>
-            <a:off x="2359603" y="5893732"/>
+            <a:off x="2601806" y="6750705"/>
             <a:ext cx="2138787" cy="908236"/>
           </a:xfrm>
           <a:prstGeom prst="roundRect">
@@ -3251,7 +3256,7 @@
         </p:nvSpPr>
         <p:spPr>
           <a:xfrm>
-            <a:off x="2359602" y="7286796"/>
+            <a:off x="2606283" y="8511329"/>
             <a:ext cx="2138787" cy="908236"/>
           </a:xfrm>
           <a:prstGeom prst="roundRect">
@@ -3305,7 +3310,7 @@
         </p:nvSpPr>
         <p:spPr>
           <a:xfrm>
-            <a:off x="2359602" y="8679860"/>
+            <a:off x="2606282" y="9728619"/>
             <a:ext cx="2138787" cy="908236"/>
           </a:xfrm>
           <a:prstGeom prst="roundRect">
@@ -3363,8 +3368,8 @@
         </p:nvCxnSpPr>
         <p:spPr>
           <a:xfrm flipH="1">
-            <a:off x="3428999" y="1229712"/>
-            <a:ext cx="1" cy="484828"/>
+            <a:off x="3668846" y="1369294"/>
+            <a:ext cx="1" cy="407956"/>
           </a:xfrm>
           <a:prstGeom prst="straightConnector1">
             <a:avLst/>
@@ -3406,172 +3411,8 @@
         </p:nvCxnSpPr>
         <p:spPr>
           <a:xfrm>
-            <a:off x="3428999" y="2622776"/>
-            <a:ext cx="0" cy="484828"/>
-          </a:xfrm>
-          <a:prstGeom prst="straightConnector1">
-            <a:avLst/>
-          </a:prstGeom>
-          <a:ln>
-            <a:tailEnd type="triangle"/>
-          </a:ln>
-        </p:spPr>
-        <p:style>
-          <a:lnRef idx="1">
-            <a:schemeClr val="accent1"/>
-          </a:lnRef>
-          <a:fillRef idx="0">
-            <a:schemeClr val="accent1"/>
-          </a:fillRef>
-          <a:effectRef idx="0">
-            <a:schemeClr val="accent1"/>
-          </a:effectRef>
-          <a:fontRef idx="minor">
-            <a:schemeClr val="tx1"/>
-          </a:fontRef>
-        </p:style>
-      </p:cxnSp>
-      <p:cxnSp>
-        <p:nvCxnSpPr>
-          <p:cNvPr id="24" name="Rechte verbindingslijn met pijl 23">
-            <a:extLst>
-              <a:ext uri="{FF2B5EF4-FFF2-40B4-BE49-F238E27FC236}">
-                <a16:creationId xmlns:a16="http://schemas.microsoft.com/office/drawing/2014/main" id="{842A864B-2BD4-46D2-AFBD-898CBCAF47C9}"/>
-              </a:ext>
-            </a:extLst>
-          </p:cNvPr>
-          <p:cNvCxnSpPr>
-            <a:cxnSpLocks/>
-          </p:cNvCxnSpPr>
-          <p:nvPr/>
-        </p:nvCxnSpPr>
-        <p:spPr>
-          <a:xfrm>
-            <a:off x="3431622" y="4015840"/>
-            <a:ext cx="0" cy="484828"/>
-          </a:xfrm>
-          <a:prstGeom prst="straightConnector1">
-            <a:avLst/>
-          </a:prstGeom>
-          <a:ln>
-            <a:tailEnd type="triangle"/>
-          </a:ln>
-        </p:spPr>
-        <p:style>
-          <a:lnRef idx="1">
-            <a:schemeClr val="accent1"/>
-          </a:lnRef>
-          <a:fillRef idx="0">
-            <a:schemeClr val="accent1"/>
-          </a:fillRef>
-          <a:effectRef idx="0">
-            <a:schemeClr val="accent1"/>
-          </a:effectRef>
-          <a:fontRef idx="minor">
-            <a:schemeClr val="tx1"/>
-          </a:fontRef>
-        </p:style>
-      </p:cxnSp>
-      <p:cxnSp>
-        <p:nvCxnSpPr>
-          <p:cNvPr id="25" name="Rechte verbindingslijn met pijl 24">
-            <a:extLst>
-              <a:ext uri="{FF2B5EF4-FFF2-40B4-BE49-F238E27FC236}">
-                <a16:creationId xmlns:a16="http://schemas.microsoft.com/office/drawing/2014/main" id="{80719193-2F26-4940-B4E8-7AB2C6B3B9FA}"/>
-              </a:ext>
-            </a:extLst>
-          </p:cNvPr>
-          <p:cNvCxnSpPr>
-            <a:cxnSpLocks/>
-          </p:cNvCxnSpPr>
-          <p:nvPr/>
-        </p:nvCxnSpPr>
-        <p:spPr>
-          <a:xfrm>
-            <a:off x="3415856" y="5408904"/>
-            <a:ext cx="0" cy="484828"/>
-          </a:xfrm>
-          <a:prstGeom prst="straightConnector1">
-            <a:avLst/>
-          </a:prstGeom>
-          <a:ln>
-            <a:tailEnd type="triangle"/>
-          </a:ln>
-        </p:spPr>
-        <p:style>
-          <a:lnRef idx="1">
-            <a:schemeClr val="accent1"/>
-          </a:lnRef>
-          <a:fillRef idx="0">
-            <a:schemeClr val="accent1"/>
-          </a:fillRef>
-          <a:effectRef idx="0">
-            <a:schemeClr val="accent1"/>
-          </a:effectRef>
-          <a:fontRef idx="minor">
-            <a:schemeClr val="tx1"/>
-          </a:fontRef>
-        </p:style>
-      </p:cxnSp>
-      <p:cxnSp>
-        <p:nvCxnSpPr>
-          <p:cNvPr id="26" name="Rechte verbindingslijn met pijl 25">
-            <a:extLst>
-              <a:ext uri="{FF2B5EF4-FFF2-40B4-BE49-F238E27FC236}">
-                <a16:creationId xmlns:a16="http://schemas.microsoft.com/office/drawing/2014/main" id="{6B9D756A-51A9-4641-832A-DDDCE4A658FD}"/>
-              </a:ext>
-            </a:extLst>
-          </p:cNvPr>
-          <p:cNvCxnSpPr>
-            <a:cxnSpLocks/>
-          </p:cNvCxnSpPr>
-          <p:nvPr/>
-        </p:nvCxnSpPr>
-        <p:spPr>
-          <a:xfrm>
-            <a:off x="3431622" y="6801968"/>
-            <a:ext cx="0" cy="484828"/>
-          </a:xfrm>
-          <a:prstGeom prst="straightConnector1">
-            <a:avLst/>
-          </a:prstGeom>
-          <a:ln>
-            <a:tailEnd type="triangle"/>
-          </a:ln>
-        </p:spPr>
-        <p:style>
-          <a:lnRef idx="1">
-            <a:schemeClr val="accent1"/>
-          </a:lnRef>
-          <a:fillRef idx="0">
-            <a:schemeClr val="accent1"/>
-          </a:fillRef>
-          <a:effectRef idx="0">
-            <a:schemeClr val="accent1"/>
-          </a:effectRef>
-          <a:fontRef idx="minor">
-            <a:schemeClr val="tx1"/>
-          </a:fontRef>
-        </p:style>
-      </p:cxnSp>
-      <p:cxnSp>
-        <p:nvCxnSpPr>
-          <p:cNvPr id="27" name="Rechte verbindingslijn met pijl 26">
-            <a:extLst>
-              <a:ext uri="{FF2B5EF4-FFF2-40B4-BE49-F238E27FC236}">
-                <a16:creationId xmlns:a16="http://schemas.microsoft.com/office/drawing/2014/main" id="{1F99600D-AF3E-4D2A-B270-9F546332CB45}"/>
-              </a:ext>
-            </a:extLst>
-          </p:cNvPr>
-          <p:cNvCxnSpPr>
-            <a:cxnSpLocks/>
-          </p:cNvCxnSpPr>
-          <p:nvPr/>
-        </p:nvCxnSpPr>
-        <p:spPr>
-          <a:xfrm>
-            <a:off x="3428995" y="8195032"/>
-            <a:ext cx="0" cy="484828"/>
+            <a:off x="3668846" y="3170314"/>
+            <a:ext cx="0" cy="786350"/>
           </a:xfrm>
           <a:prstGeom prst="straightConnector1">
             <a:avLst/>
@@ -3613,15 +3454,708 @@
         </p:nvCxnSpPr>
         <p:spPr>
           <a:xfrm flipV="1">
-            <a:off x="4498390" y="4954786"/>
-            <a:ext cx="1" cy="1393064"/>
+            <a:off x="4740593" y="6029257"/>
+            <a:ext cx="1569050" cy="1175566"/>
           </a:xfrm>
           <a:prstGeom prst="bentConnector3">
             <a:avLst>
-              <a:gd name="adj1" fmla="val 22860100000"/>
+              <a:gd name="adj1" fmla="val 114569"/>
             </a:avLst>
           </a:prstGeom>
           <a:ln>
+            <a:tailEnd type="triangle"/>
+          </a:ln>
+        </p:spPr>
+        <p:style>
+          <a:lnRef idx="1">
+            <a:schemeClr val="accent1"/>
+          </a:lnRef>
+          <a:fillRef idx="0">
+            <a:schemeClr val="accent1"/>
+          </a:fillRef>
+          <a:effectRef idx="0">
+            <a:schemeClr val="accent1"/>
+          </a:effectRef>
+          <a:fontRef idx="minor">
+            <a:schemeClr val="tx1"/>
+          </a:fontRef>
+        </p:style>
+      </p:cxnSp>
+      <p:cxnSp>
+        <p:nvCxnSpPr>
+          <p:cNvPr id="40" name="Rechte verbindingslijn met pijl 39">
+            <a:extLst>
+              <a:ext uri="{FF2B5EF4-FFF2-40B4-BE49-F238E27FC236}">
+                <a16:creationId xmlns:a16="http://schemas.microsoft.com/office/drawing/2014/main" id="{8E2EDC1F-3044-47DB-85C9-66027444ABB6}"/>
+              </a:ext>
+            </a:extLst>
+          </p:cNvPr>
+          <p:cNvCxnSpPr>
+            <a:cxnSpLocks/>
+            <a:stCxn id="12" idx="2"/>
+            <a:endCxn id="13" idx="0"/>
+          </p:cNvCxnSpPr>
+          <p:nvPr/>
+        </p:nvCxnSpPr>
+        <p:spPr>
+          <a:xfrm>
+            <a:off x="3668846" y="4864900"/>
+            <a:ext cx="1571404" cy="710239"/>
+          </a:xfrm>
+          <a:prstGeom prst="straightConnector1">
+            <a:avLst/>
+          </a:prstGeom>
+          <a:ln>
+            <a:tailEnd type="triangle"/>
+          </a:ln>
+        </p:spPr>
+        <p:style>
+          <a:lnRef idx="1">
+            <a:schemeClr val="accent1"/>
+          </a:lnRef>
+          <a:fillRef idx="0">
+            <a:schemeClr val="accent1"/>
+          </a:fillRef>
+          <a:effectRef idx="0">
+            <a:schemeClr val="accent1"/>
+          </a:effectRef>
+          <a:fontRef idx="minor">
+            <a:schemeClr val="tx1"/>
+          </a:fontRef>
+        </p:style>
+      </p:cxnSp>
+      <p:sp>
+        <p:nvSpPr>
+          <p:cNvPr id="41" name="Tekstvak 40">
+            <a:extLst>
+              <a:ext uri="{FF2B5EF4-FFF2-40B4-BE49-F238E27FC236}">
+                <a16:creationId xmlns:a16="http://schemas.microsoft.com/office/drawing/2014/main" id="{E176D01D-3EBC-418B-95C8-50B7026274C7}"/>
+              </a:ext>
+            </a:extLst>
+          </p:cNvPr>
+          <p:cNvSpPr txBox="1"/>
+          <p:nvPr/>
+        </p:nvSpPr>
+        <p:spPr>
+          <a:xfrm>
+            <a:off x="4578935" y="4956410"/>
+            <a:ext cx="1609351" cy="369332"/>
+          </a:xfrm>
+          <a:prstGeom prst="rect">
+            <a:avLst/>
+          </a:prstGeom>
+          <a:noFill/>
+        </p:spPr>
+        <p:txBody>
+          <a:bodyPr wrap="none" rtlCol="0">
+            <a:spAutoFit/>
+          </a:bodyPr>
+          <a:lstStyle/>
+          <a:p>
+            <a:r>
+              <a:rPr lang="nl-BE" dirty="0">
+                <a:solidFill>
+                  <a:schemeClr val="accent1"/>
+                </a:solidFill>
+              </a:rPr>
+              <a:t>Afstandssensor</a:t>
+            </a:r>
+          </a:p>
+        </p:txBody>
+      </p:sp>
+      <p:cxnSp>
+        <p:nvCxnSpPr>
+          <p:cNvPr id="43" name="Rechte verbindingslijn met pijl 42">
+            <a:extLst>
+              <a:ext uri="{FF2B5EF4-FFF2-40B4-BE49-F238E27FC236}">
+                <a16:creationId xmlns:a16="http://schemas.microsoft.com/office/drawing/2014/main" id="{AD712022-BB79-447E-A1C9-E876889F925D}"/>
+              </a:ext>
+            </a:extLst>
+          </p:cNvPr>
+          <p:cNvCxnSpPr>
+            <a:cxnSpLocks/>
+            <a:stCxn id="12" idx="2"/>
+            <a:endCxn id="45" idx="0"/>
+          </p:cNvCxnSpPr>
+          <p:nvPr/>
+        </p:nvCxnSpPr>
+        <p:spPr>
+          <a:xfrm flipH="1">
+            <a:off x="1617753" y="4864900"/>
+            <a:ext cx="2051093" cy="710239"/>
+          </a:xfrm>
+          <a:prstGeom prst="straightConnector1">
+            <a:avLst/>
+          </a:prstGeom>
+          <a:ln>
+            <a:solidFill>
+              <a:srgbClr val="FF0000"/>
+            </a:solidFill>
+            <a:tailEnd type="triangle"/>
+          </a:ln>
+        </p:spPr>
+        <p:style>
+          <a:lnRef idx="1">
+            <a:schemeClr val="accent1"/>
+          </a:lnRef>
+          <a:fillRef idx="0">
+            <a:schemeClr val="accent1"/>
+          </a:fillRef>
+          <a:effectRef idx="0">
+            <a:schemeClr val="accent1"/>
+          </a:effectRef>
+          <a:fontRef idx="minor">
+            <a:schemeClr val="tx1"/>
+          </a:fontRef>
+        </p:style>
+      </p:cxnSp>
+      <p:sp>
+        <p:nvSpPr>
+          <p:cNvPr id="45" name="Rechthoek: afgeronde hoeken 44">
+            <a:extLst>
+              <a:ext uri="{FF2B5EF4-FFF2-40B4-BE49-F238E27FC236}">
+                <a16:creationId xmlns:a16="http://schemas.microsoft.com/office/drawing/2014/main" id="{553B6925-4BFB-4AA9-99D9-63C9EB4AD146}"/>
+              </a:ext>
+            </a:extLst>
+          </p:cNvPr>
+          <p:cNvSpPr/>
+          <p:nvPr/>
+        </p:nvSpPr>
+        <p:spPr>
+          <a:xfrm>
+            <a:off x="548359" y="5575139"/>
+            <a:ext cx="2138787" cy="908236"/>
+          </a:xfrm>
+          <a:prstGeom prst="roundRect">
+            <a:avLst/>
+          </a:prstGeom>
+          <a:solidFill>
+            <a:srgbClr val="FF0000"/>
+          </a:solidFill>
+        </p:spPr>
+        <p:style>
+          <a:lnRef idx="2">
+            <a:schemeClr val="accent1">
+              <a:shade val="50000"/>
+            </a:schemeClr>
+          </a:lnRef>
+          <a:fillRef idx="1">
+            <a:schemeClr val="accent1"/>
+          </a:fillRef>
+          <a:effectRef idx="0">
+            <a:schemeClr val="accent1"/>
+          </a:effectRef>
+          <a:fontRef idx="minor">
+            <a:schemeClr val="lt1"/>
+          </a:fontRef>
+        </p:style>
+        <p:txBody>
+          <a:bodyPr rot="0" spcFirstLastPara="0" vertOverflow="overflow" horzOverflow="overflow" vert="horz" wrap="square" lIns="162560" tIns="81280" rIns="162560" bIns="81280" numCol="1" spcCol="0" rtlCol="0" fromWordArt="0" anchor="ctr" anchorCtr="0" forceAA="0" compatLnSpc="1">
+            <a:prstTxWarp prst="textNoShape">
+              <a:avLst/>
+            </a:prstTxWarp>
+            <a:noAutofit/>
+          </a:bodyPr>
+          <a:lstStyle/>
+          <a:p>
+            <a:pPr algn="ctr"/>
+            <a:r>
+              <a:rPr lang="nl-BE" sz="2000" dirty="0"/>
+              <a:t>STOP</a:t>
+            </a:r>
+          </a:p>
+        </p:txBody>
+      </p:sp>
+      <p:sp>
+        <p:nvSpPr>
+          <p:cNvPr id="46" name="Tekstvak 45">
+            <a:extLst>
+              <a:ext uri="{FF2B5EF4-FFF2-40B4-BE49-F238E27FC236}">
+                <a16:creationId xmlns:a16="http://schemas.microsoft.com/office/drawing/2014/main" id="{B19F2052-9059-47B7-B891-1EF1DE7770C6}"/>
+              </a:ext>
+            </a:extLst>
+          </p:cNvPr>
+          <p:cNvSpPr txBox="1"/>
+          <p:nvPr/>
+        </p:nvSpPr>
+        <p:spPr>
+          <a:xfrm>
+            <a:off x="1474389" y="4949685"/>
+            <a:ext cx="1168910" cy="369332"/>
+          </a:xfrm>
+          <a:prstGeom prst="rect">
+            <a:avLst/>
+          </a:prstGeom>
+          <a:noFill/>
+        </p:spPr>
+        <p:txBody>
+          <a:bodyPr wrap="none" rtlCol="0">
+            <a:spAutoFit/>
+          </a:bodyPr>
+          <a:lstStyle/>
+          <a:p>
+            <a:r>
+              <a:rPr lang="nl-BE" dirty="0">
+                <a:solidFill>
+                  <a:srgbClr val="FF0000"/>
+                </a:solidFill>
+              </a:rPr>
+              <a:t>Noodknop</a:t>
+            </a:r>
+          </a:p>
+        </p:txBody>
+      </p:sp>
+      <p:cxnSp>
+        <p:nvCxnSpPr>
+          <p:cNvPr id="48" name="Rechte verbindingslijn met pijl 47">
+            <a:extLst>
+              <a:ext uri="{FF2B5EF4-FFF2-40B4-BE49-F238E27FC236}">
+                <a16:creationId xmlns:a16="http://schemas.microsoft.com/office/drawing/2014/main" id="{720ED2DB-94BB-463F-97B6-E15D43E0F5BA}"/>
+              </a:ext>
+            </a:extLst>
+          </p:cNvPr>
+          <p:cNvCxnSpPr>
+            <a:stCxn id="13" idx="2"/>
+            <a:endCxn id="14" idx="0"/>
+          </p:cNvCxnSpPr>
+          <p:nvPr/>
+        </p:nvCxnSpPr>
+        <p:spPr>
+          <a:xfrm flipH="1">
+            <a:off x="3671200" y="6483375"/>
+            <a:ext cx="1569050" cy="267330"/>
+          </a:xfrm>
+          <a:prstGeom prst="straightConnector1">
+            <a:avLst/>
+          </a:prstGeom>
+          <a:ln>
+            <a:tailEnd type="triangle"/>
+          </a:ln>
+        </p:spPr>
+        <p:style>
+          <a:lnRef idx="1">
+            <a:schemeClr val="accent1"/>
+          </a:lnRef>
+          <a:fillRef idx="0">
+            <a:schemeClr val="accent1"/>
+          </a:fillRef>
+          <a:effectRef idx="0">
+            <a:schemeClr val="accent1"/>
+          </a:effectRef>
+          <a:fontRef idx="minor">
+            <a:schemeClr val="tx1"/>
+          </a:fontRef>
+        </p:style>
+      </p:cxnSp>
+      <p:cxnSp>
+        <p:nvCxnSpPr>
+          <p:cNvPr id="50" name="Rechte verbindingslijn met pijl 49">
+            <a:extLst>
+              <a:ext uri="{FF2B5EF4-FFF2-40B4-BE49-F238E27FC236}">
+                <a16:creationId xmlns:a16="http://schemas.microsoft.com/office/drawing/2014/main" id="{1D512D86-B272-4CB9-B4D8-A7567296BB3C}"/>
+              </a:ext>
+            </a:extLst>
+          </p:cNvPr>
+          <p:cNvCxnSpPr>
+            <a:cxnSpLocks/>
+            <a:stCxn id="14" idx="2"/>
+            <a:endCxn id="15" idx="0"/>
+          </p:cNvCxnSpPr>
+          <p:nvPr/>
+        </p:nvCxnSpPr>
+        <p:spPr>
+          <a:xfrm>
+            <a:off x="3671200" y="7658941"/>
+            <a:ext cx="4477" cy="852388"/>
+          </a:xfrm>
+          <a:prstGeom prst="straightConnector1">
+            <a:avLst/>
+          </a:prstGeom>
+          <a:ln>
+            <a:tailEnd type="triangle"/>
+          </a:ln>
+        </p:spPr>
+        <p:style>
+          <a:lnRef idx="1">
+            <a:schemeClr val="accent1"/>
+          </a:lnRef>
+          <a:fillRef idx="0">
+            <a:schemeClr val="accent1"/>
+          </a:fillRef>
+          <a:effectRef idx="0">
+            <a:schemeClr val="accent1"/>
+          </a:effectRef>
+          <a:fontRef idx="minor">
+            <a:schemeClr val="tx1"/>
+          </a:fontRef>
+        </p:style>
+      </p:cxnSp>
+      <p:cxnSp>
+        <p:nvCxnSpPr>
+          <p:cNvPr id="55" name="Rechte verbindingslijn met pijl 54">
+            <a:extLst>
+              <a:ext uri="{FF2B5EF4-FFF2-40B4-BE49-F238E27FC236}">
+                <a16:creationId xmlns:a16="http://schemas.microsoft.com/office/drawing/2014/main" id="{58A75A6E-513E-4B7E-9D69-4EAC5CB41D00}"/>
+              </a:ext>
+            </a:extLst>
+          </p:cNvPr>
+          <p:cNvCxnSpPr>
+            <a:cxnSpLocks/>
+            <a:stCxn id="15" idx="2"/>
+            <a:endCxn id="16" idx="0"/>
+          </p:cNvCxnSpPr>
+          <p:nvPr/>
+        </p:nvCxnSpPr>
+        <p:spPr>
+          <a:xfrm flipH="1">
+            <a:off x="3675676" y="9419565"/>
+            <a:ext cx="1" cy="309054"/>
+          </a:xfrm>
+          <a:prstGeom prst="straightConnector1">
+            <a:avLst/>
+          </a:prstGeom>
+          <a:ln>
+            <a:tailEnd type="triangle"/>
+          </a:ln>
+        </p:spPr>
+        <p:style>
+          <a:lnRef idx="1">
+            <a:schemeClr val="accent1"/>
+          </a:lnRef>
+          <a:fillRef idx="0">
+            <a:schemeClr val="accent1"/>
+          </a:fillRef>
+          <a:effectRef idx="0">
+            <a:schemeClr val="accent1"/>
+          </a:effectRef>
+          <a:fontRef idx="minor">
+            <a:schemeClr val="tx1"/>
+          </a:fontRef>
+        </p:style>
+      </p:cxnSp>
+      <p:sp>
+        <p:nvSpPr>
+          <p:cNvPr id="75" name="Rechthoek: afgeronde hoeken 74">
+            <a:extLst>
+              <a:ext uri="{FF2B5EF4-FFF2-40B4-BE49-F238E27FC236}">
+                <a16:creationId xmlns:a16="http://schemas.microsoft.com/office/drawing/2014/main" id="{416BB318-4138-4EEC-B1D3-36832E71CAC6}"/>
+              </a:ext>
+            </a:extLst>
+          </p:cNvPr>
+          <p:cNvSpPr/>
+          <p:nvPr/>
+        </p:nvSpPr>
+        <p:spPr>
+          <a:xfrm>
+            <a:off x="40680" y="461058"/>
+            <a:ext cx="2138787" cy="908236"/>
+          </a:xfrm>
+          <a:prstGeom prst="roundRect">
+            <a:avLst/>
+          </a:prstGeom>
+        </p:spPr>
+        <p:style>
+          <a:lnRef idx="2">
+            <a:schemeClr val="accent1">
+              <a:shade val="50000"/>
+            </a:schemeClr>
+          </a:lnRef>
+          <a:fillRef idx="1">
+            <a:schemeClr val="accent1"/>
+          </a:fillRef>
+          <a:effectRef idx="0">
+            <a:schemeClr val="accent1"/>
+          </a:effectRef>
+          <a:fontRef idx="minor">
+            <a:schemeClr val="lt1"/>
+          </a:fontRef>
+        </p:style>
+        <p:txBody>
+          <a:bodyPr rot="0" spcFirstLastPara="0" vertOverflow="overflow" horzOverflow="overflow" vert="horz" wrap="square" lIns="162560" tIns="81280" rIns="162560" bIns="81280" numCol="1" spcCol="0" rtlCol="0" fromWordArt="0" anchor="ctr" anchorCtr="0" forceAA="0" compatLnSpc="1">
+            <a:prstTxWarp prst="textNoShape">
+              <a:avLst/>
+            </a:prstTxWarp>
+            <a:noAutofit/>
+          </a:bodyPr>
+          <a:lstStyle/>
+          <a:p>
+            <a:pPr algn="ctr"/>
+            <a:r>
+              <a:rPr lang="nl-BE" sz="2000" dirty="0"/>
+              <a:t>OPSTARTEN GRAFISCHE INTERFACE</a:t>
+            </a:r>
+          </a:p>
+        </p:txBody>
+      </p:sp>
+      <p:cxnSp>
+        <p:nvCxnSpPr>
+          <p:cNvPr id="77" name="Rechte verbindingslijn met pijl 76">
+            <a:extLst>
+              <a:ext uri="{FF2B5EF4-FFF2-40B4-BE49-F238E27FC236}">
+                <a16:creationId xmlns:a16="http://schemas.microsoft.com/office/drawing/2014/main" id="{28C54C41-E32B-4F9D-B4E2-28A441608BA6}"/>
+              </a:ext>
+            </a:extLst>
+          </p:cNvPr>
+          <p:cNvCxnSpPr>
+            <a:cxnSpLocks/>
+            <a:stCxn id="75" idx="3"/>
+            <a:endCxn id="4" idx="1"/>
+          </p:cNvCxnSpPr>
+          <p:nvPr/>
+        </p:nvCxnSpPr>
+        <p:spPr>
+          <a:xfrm>
+            <a:off x="2179467" y="915176"/>
+            <a:ext cx="419986" cy="0"/>
+          </a:xfrm>
+          <a:prstGeom prst="straightConnector1">
+            <a:avLst/>
+          </a:prstGeom>
+          <a:ln>
+            <a:tailEnd type="triangle"/>
+          </a:ln>
+        </p:spPr>
+        <p:style>
+          <a:lnRef idx="1">
+            <a:schemeClr val="accent1"/>
+          </a:lnRef>
+          <a:fillRef idx="0">
+            <a:schemeClr val="accent1"/>
+          </a:fillRef>
+          <a:effectRef idx="0">
+            <a:schemeClr val="accent1"/>
+          </a:effectRef>
+          <a:fontRef idx="minor">
+            <a:schemeClr val="tx1"/>
+          </a:fontRef>
+        </p:style>
+      </p:cxnSp>
+      <p:sp>
+        <p:nvSpPr>
+          <p:cNvPr id="101" name="Rechthoek: afgeronde hoeken 100">
+            <a:extLst>
+              <a:ext uri="{FF2B5EF4-FFF2-40B4-BE49-F238E27FC236}">
+                <a16:creationId xmlns:a16="http://schemas.microsoft.com/office/drawing/2014/main" id="{F751726E-4704-41F4-A571-1FBB1E4EDD9F}"/>
+              </a:ext>
+            </a:extLst>
+          </p:cNvPr>
+          <p:cNvSpPr/>
+          <p:nvPr/>
+        </p:nvSpPr>
+        <p:spPr>
+          <a:xfrm>
+            <a:off x="2599451" y="10979293"/>
+            <a:ext cx="2138787" cy="908236"/>
+          </a:xfrm>
+          <a:prstGeom prst="roundRect">
+            <a:avLst/>
+          </a:prstGeom>
+        </p:spPr>
+        <p:style>
+          <a:lnRef idx="2">
+            <a:schemeClr val="accent1">
+              <a:shade val="50000"/>
+            </a:schemeClr>
+          </a:lnRef>
+          <a:fillRef idx="1">
+            <a:schemeClr val="accent1"/>
+          </a:fillRef>
+          <a:effectRef idx="0">
+            <a:schemeClr val="accent1"/>
+          </a:effectRef>
+          <a:fontRef idx="minor">
+            <a:schemeClr val="lt1"/>
+          </a:fontRef>
+        </p:style>
+        <p:txBody>
+          <a:bodyPr rot="0" spcFirstLastPara="0" vertOverflow="overflow" horzOverflow="overflow" vert="horz" wrap="square" lIns="162560" tIns="81280" rIns="162560" bIns="81280" numCol="1" spcCol="0" rtlCol="0" fromWordArt="0" anchor="ctr" anchorCtr="0" forceAA="0" compatLnSpc="1">
+            <a:prstTxWarp prst="textNoShape">
+              <a:avLst/>
+            </a:prstTxWarp>
+            <a:noAutofit/>
+          </a:bodyPr>
+          <a:lstStyle/>
+          <a:p>
+            <a:pPr algn="ctr"/>
+            <a:r>
+              <a:rPr lang="nl-BE" sz="2000" dirty="0"/>
+              <a:t>QUIT</a:t>
+            </a:r>
+          </a:p>
+        </p:txBody>
+      </p:sp>
+      <p:cxnSp>
+        <p:nvCxnSpPr>
+          <p:cNvPr id="103" name="Rechte verbindingslijn met pijl 102">
+            <a:extLst>
+              <a:ext uri="{FF2B5EF4-FFF2-40B4-BE49-F238E27FC236}">
+                <a16:creationId xmlns:a16="http://schemas.microsoft.com/office/drawing/2014/main" id="{ABC52C11-75AC-4410-BE14-344100713807}"/>
+              </a:ext>
+            </a:extLst>
+          </p:cNvPr>
+          <p:cNvCxnSpPr>
+            <a:cxnSpLocks/>
+            <a:stCxn id="16" idx="2"/>
+            <a:endCxn id="101" idx="0"/>
+          </p:cNvCxnSpPr>
+          <p:nvPr/>
+        </p:nvCxnSpPr>
+        <p:spPr>
+          <a:xfrm flipH="1">
+            <a:off x="3668845" y="10636855"/>
+            <a:ext cx="6831" cy="342438"/>
+          </a:xfrm>
+          <a:prstGeom prst="straightConnector1">
+            <a:avLst/>
+          </a:prstGeom>
+          <a:ln>
+            <a:tailEnd type="triangle"/>
+          </a:ln>
+        </p:spPr>
+        <p:style>
+          <a:lnRef idx="1">
+            <a:schemeClr val="accent1"/>
+          </a:lnRef>
+          <a:fillRef idx="0">
+            <a:schemeClr val="accent1"/>
+          </a:fillRef>
+          <a:effectRef idx="0">
+            <a:schemeClr val="accent1"/>
+          </a:effectRef>
+          <a:fontRef idx="minor">
+            <a:schemeClr val="tx1"/>
+          </a:fontRef>
+        </p:style>
+      </p:cxnSp>
+      <p:sp>
+        <p:nvSpPr>
+          <p:cNvPr id="137" name="Tekstvak 136">
+            <a:extLst>
+              <a:ext uri="{FF2B5EF4-FFF2-40B4-BE49-F238E27FC236}">
+                <a16:creationId xmlns:a16="http://schemas.microsoft.com/office/drawing/2014/main" id="{D355A57E-363D-4CF5-8BFB-C1B682449937}"/>
+              </a:ext>
+            </a:extLst>
+          </p:cNvPr>
+          <p:cNvSpPr txBox="1"/>
+          <p:nvPr/>
+        </p:nvSpPr>
+        <p:spPr>
+          <a:xfrm>
+            <a:off x="3675675" y="7761969"/>
+            <a:ext cx="1958037" cy="646331"/>
+          </a:xfrm>
+          <a:prstGeom prst="rect">
+            <a:avLst/>
+          </a:prstGeom>
+          <a:noFill/>
+        </p:spPr>
+        <p:txBody>
+          <a:bodyPr wrap="none" rtlCol="0">
+            <a:spAutoFit/>
+          </a:bodyPr>
+          <a:lstStyle/>
+          <a:p>
+            <a:r>
+              <a:rPr lang="nl-BE" dirty="0">
+                <a:solidFill>
+                  <a:schemeClr val="accent1"/>
+                </a:solidFill>
+              </a:rPr>
+              <a:t>Alle geselecteerde </a:t>
+            </a:r>
+            <a:br>
+              <a:rPr lang="nl-BE" dirty="0">
+                <a:solidFill>
+                  <a:schemeClr val="accent1"/>
+                </a:solidFill>
+              </a:rPr>
+            </a:br>
+            <a:r>
+              <a:rPr lang="nl-BE" dirty="0" err="1">
+                <a:solidFill>
+                  <a:schemeClr val="accent1"/>
+                </a:solidFill>
+              </a:rPr>
+              <a:t>microplates</a:t>
+            </a:r>
+            <a:r>
+              <a:rPr lang="nl-BE" dirty="0">
+                <a:solidFill>
+                  <a:schemeClr val="accent1"/>
+                </a:solidFill>
+              </a:rPr>
+              <a:t> gevuld</a:t>
+            </a:r>
+          </a:p>
+        </p:txBody>
+      </p:sp>
+      <p:sp>
+        <p:nvSpPr>
+          <p:cNvPr id="151" name="Tekstvak 150">
+            <a:extLst>
+              <a:ext uri="{FF2B5EF4-FFF2-40B4-BE49-F238E27FC236}">
+                <a16:creationId xmlns:a16="http://schemas.microsoft.com/office/drawing/2014/main" id="{96ED3C02-6FC1-4822-A7E6-096D7EB7FC17}"/>
+              </a:ext>
+            </a:extLst>
+          </p:cNvPr>
+          <p:cNvSpPr txBox="1"/>
+          <p:nvPr/>
+        </p:nvSpPr>
+        <p:spPr>
+          <a:xfrm>
+            <a:off x="3725172" y="3456058"/>
+            <a:ext cx="751103" cy="369332"/>
+          </a:xfrm>
+          <a:prstGeom prst="rect">
+            <a:avLst/>
+          </a:prstGeom>
+          <a:noFill/>
+        </p:spPr>
+        <p:txBody>
+          <a:bodyPr wrap="none" rtlCol="0">
+            <a:spAutoFit/>
+          </a:bodyPr>
+          <a:lstStyle/>
+          <a:p>
+            <a:r>
+              <a:rPr lang="nl-BE" dirty="0">
+                <a:solidFill>
+                  <a:schemeClr val="accent1"/>
+                </a:solidFill>
+              </a:rPr>
+              <a:t>START</a:t>
+            </a:r>
+          </a:p>
+        </p:txBody>
+      </p:sp>
+      <p:cxnSp>
+        <p:nvCxnSpPr>
+          <p:cNvPr id="157" name="Verbindingslijn: gebogen 156">
+            <a:extLst>
+              <a:ext uri="{FF2B5EF4-FFF2-40B4-BE49-F238E27FC236}">
+                <a16:creationId xmlns:a16="http://schemas.microsoft.com/office/drawing/2014/main" id="{41ADA98D-1B2E-4C2A-9242-0C4F92B6D9E0}"/>
+              </a:ext>
+            </a:extLst>
+          </p:cNvPr>
+          <p:cNvCxnSpPr>
+            <a:cxnSpLocks/>
+            <a:stCxn id="45" idx="2"/>
+            <a:endCxn id="15" idx="1"/>
+          </p:cNvCxnSpPr>
+          <p:nvPr/>
+        </p:nvCxnSpPr>
+        <p:spPr>
+          <a:xfrm rot="16200000" flipH="1">
+            <a:off x="870982" y="7230146"/>
+            <a:ext cx="2482072" cy="988530"/>
+          </a:xfrm>
+          <a:prstGeom prst="bentConnector2">
+            <a:avLst/>
+          </a:prstGeom>
+          <a:ln>
+            <a:solidFill>
+              <a:srgbClr val="FF0000"/>
+            </a:solidFill>
             <a:tailEnd type="triangle"/>
           </a:ln>
         </p:spPr>
